--- a/Linear Algebra(李宏毅,2018,Fall)/7 How many solutions.pptx
+++ b/Linear Algebra(李宏毅,2018,Fall)/7 How many solutions.pptx
@@ -199,7 +199,7 @@
   <inkml:trace contextRef="#ctx0" brushRef="#br0" timeOffset="11833.77">7969 3238 0,'-63'96'140,"63"-65"-124,-64 33-16,32-1 0,1-31 15,-33 32-15,64-33 16,-95 96-16,95-95 16,-95 0-16,95 0 15,-32-1-15,0 1 16,-31 0 0,63 0-16,-32-32 15,0 31-15,-31 1 16,31 0-1,0-32 17,1 0-32,-1 32 15,0-32 1,32 31-16,-32-31 16,0 0 15</inkml:trace>
   <inkml:trace contextRef="#ctx0" brushRef="#br0" timeOffset="13267.176">8477 3842 0,'32'-32'281,"0"32"-281,-1-32 15,65 32-15,-33 0 16,32 0 0,1 0-16,-64 0 15,31 0-15,-31-32 16,31 32-16,-31 0 16,0 0 15,0 0-31,-1 0 47,1 0-32,0 0 32,-1 0-31,1 0-1,0 0-15,32 0 16,-33 0-16,1 0 16,0 0-1,-1 0 1,1-31-16,64 31 16,-65 0-1,1 0 1,0 0-1,-1 0 1,1 0 0,0 0 15,0 0 0,0 0-15,-1 0 15</inkml:trace>
   <inkml:trace contextRef="#ctx0" brushRef="#br0" timeOffset="14545.716">9652 3429 0,'0'32'219,"32"-32"-204,-32 31-15,63 1 16,1 0-1,-1-32-15,-31 32 16,0-32-16,-32 31 0,0 1 16,32-32-16,-1 0 15,1 0 1,0 32-16,-32 0 16,31-32-1,1 0 16,-32 31 1,32-31-17,0 0 17,-64 32 46,32 0-63,-32 0 1,0-32 0,32 31-16,-63-31 15,0 64-15,-1-32 16,0 63-16,-94-32 15,62 1-15,1-1 0,0 64 16,31-63-16,1-1 16,0 1-16,31-32 15,0-32-15,32 31 16,-32 1-16,-31 0 31</inkml:trace>
-  <inkml:trace contextRef="#ctx0" brushRef="#br0" timeOffset="16238.387">10414 5810 0,'0'64'188,"0"63"-188,0 31 15,-32 33-15,32-1 16,0-63-16,0-31 15,0 31-15,0-64 16,0-31-16,0 63 16,0-31-16,0-33 15,0 33-15,0-1 16,0-31 0,0 0 15,0 0-31,0-1 15,0 1 1,0 0 15,0 0-31,0-1 16,0 1 15</inkml:trace>
+  <inkml:trace contextRef="#ctx0" brushRef="#br0" timeOffset="16238.386">10414 5810 0,'0'64'188,"0"63"-188,0 31 15,-32 33-15,32-1 16,0-63-16,0-31 15,0 31-15,0-64 16,0-31-16,0 63 16,0-31-16,0-33 15,0 33-15,0-1 16,0-31 0,0 0 15,0 0-31,0-1 15,0 1 1,0 0 15,0 0-31,0-1 16,0 1 15</inkml:trace>
   <inkml:trace contextRef="#ctx0" brushRef="#br0" timeOffset="18043.391">10478 6128 0,'95'0'94,"64"0"-78,-1-32-16,33 0 15,63-31-15,-32 31 16,0 32-16,-63-32 0,-64 32 16,-31 0-16,31 0 15,0 0-15,-31 0 16,63 0-16,-32 0 15,32 0-15,63 0 16,-31 0-16,-64 0 16,64 32-16,-95-32 15,-1 0-15,-31 0 16,0 0-16,0 0 16,31 0 15,-31 0-16,31 0-15,-31 0 32,0 32-17,0-32 1,-32 31 0,31 1 15,-31 0-16,64 31 1,-33 1-16,-31-1 16,32 33-16,0-1 15,0 64-15,-32-96 16,32 32-16,-1-31 0,1 31 16,0 96-16,-32-128 15,31 64 1,-31-63-16,0 158 0,0-159 15,0 96-15,0 32 16,0-160-16,0 96 16,0-95-1,0 0 1,0 31 0,0-31-1,0 0 1,-31 0 15,-1-32-31,-31 0 16,-96 0-16,-32 0 15,-63 0-15,-32-32 16,1 32-16,94-32 16,1 0-16,-32 32 15,63-31-15,-32-1 16,-95 32-16,128-64 15,31 64-15,0 0 16,31 0-16,33 0 16,0 0-16,31 0 15,-32 0 1,32 0-16,1 0 0,-1 0 31,0 0-15,-31-31-1,31 31 32,32-32-47,0 0 32,-32 32-17</inkml:trace>
   <inkml:trace contextRef="#ctx0" brushRef="#br0" timeOffset="19174.318">12256 6445 0,'-96'127'109,"-62"127"-93,30 32-16,2-64 15,94-127-15,-32-31 0,32-1 16,1 33 0,-1-65-1,32 1 1,-32-32 0,32 32-1,0 0 1,-31-32-1,-1 31 1,32 1-16,-32 0 31,0-32 32</inkml:trace>
   <inkml:trace contextRef="#ctx0" brushRef="#br0" timeOffset="20243.936">12224 6731 0,'32'32'219,"-1"-1"-203,1 65-1,-32-65-15,32-31 16,-32 32-16,31 0 15,-31 0 1,0-1-16,32-31 16,-32 32-16,32-32 15,-32 32-15,32-32 16,-32 32 0,32-32-1,-32 31-15,0 33 47,31-64-47,-31 32 31,0 31-31,32-63 16,0 64-16,-32-33 16,31 1-16,-31 0 15,32-32-15,-32 32 31</inkml:trace>
@@ -212,7 +212,7 @@
   <inkml:trace contextRef="#ctx0" brushRef="#br0" timeOffset="29468.438">15812 7080 0,'0'32'219,"0"0"-188,-32-32-16,32 31-15,-32-31 32,0 32-1,32 0-15,-32-32-1,1 0 16,-1 0-15,0 0 0,32 63-16,-31-63 15,31 32-15,0 0 16,-32 0 0,0-1-1,0-31 1,0 64-16,-31 31 15,63-63 1,-32-32-16,32 32 16,-63-1 15,31-94 16</inkml:trace>
   <inkml:trace contextRef="#ctx0" brushRef="#br0" timeOffset="31758.218">16542 5969 0,'0'95'110,"0"64"-95,0-96-15,0 1 16,0-1-16,0-31 16,0 0-16,0 0 15,0-1 1,0 1-16,0 32 16,0-1-1,0-31-15,0 0 16,0-1-1,0 33 1,0-32 0,0-1-16,0 1 0,0 0 15,0 31-15,0-31 16,0 0-16,-32 0 16,32-1-16,0 1 15,0 0 1,0 0-1,0-1 1,-32 1 0,32 0 15,0 0-15,0-1-16,0 1 15,0 0 1,32-127 109,-32 63-125,32-32 15,-32 33 1,0-1 15,0 0-31,32 32 16,-32-32-16,0 1 31,31 31-15,-31-32-16,0 0 31,32 32-31,-32-32 16,32 32-16,-32-31 15,31 31 1,33-32-16,-32 32 16,0-32-1,-1 32 1,1 0-1,0 0-15,-1 0 16,1 0 0,0 0-1,0 0 17,0 0-32,-1 0 15,-31 32 1,32-32-16,-32 32 15,0-1 1,0 1 0,32-32-1,-32 32-15,31 0 32,-31-1-17,0 1 1,0 0-1,0 0 17,0-1-17,-31-31-15,31 32 16,0 0 0,-32-32 15,32 32-31,0-1 15,-32 1 1,1-32 0,-1 0-16,32 32 15,-32-32 1,0 0 0,0 32-16,1-32 15,-33 31-15,1 33 16,31-32-16,0-32 15,-63 63-15,63-63 16,1 0 15,-1 0-31,0 0 32,0 0-17,0 0 16,32-32-15,-31 1-16,31-96 16,0 95-16</inkml:trace>
   <inkml:trace contextRef="#ctx0" brushRef="#br0" timeOffset="40219.897">5747 11652 0,'0'-32'296,"0"1"-280,0-1 15,31-32-15,1 64 15,-32-31-31,32 31 16,-32-32-1,32 32 1,-32-32-16,32 32 16,-32-32-16,31 32 15,1-31-15,0-33 16,31 32-16,-31 1 16,32-1-1,-33 32 1,-31-32-1,64 32 1,-33 0 0,33 0-16,-32 0 15,0 0 17,-32 32-32,31 31 31,1 33-31,0-33 15,-32 1-15,0-33 16,0 33-16,0-32 16,0-1-16,0 33 15,-32 31 1,32-63 0,0 31-16,-32-63 15,1 96-15,31-65 16,0 1-16,-32 32 15,0-33 1,0 1 0,0 0-16,32 0 15,-31-32 1,31 31-16,-32-31 16,-31-31-1,-1 31 1,32-32-16,0 0 15,1-31-15,-1 31 16,32 0-16,0 0 31,0 1-15,0-1-16,0 0 16,0 0-16,0 1 0,0-1 15,0-32 1,0 33-1,32-1 1,-32 0 31,0 64 31,-32-32-62</inkml:trace>
-  <inkml:trace contextRef="#ctx0" brushRef="#br0" timeOffset="41527.765">6763 12351 0,'0'-32'235,"-32"32"-220,32-32 1,0 0 15,0 1 16,32-1 0,-1 32-16,-31 32-15,0-1 31,32-62 31,-32-1-63,32 32 17,-32 32-1,0-1 16,-32-31 0</inkml:trace>
+  <inkml:trace contextRef="#ctx0" brushRef="#br0" timeOffset="41527.764">6763 12351 0,'0'-32'235,"-32"32"-220,32-32 1,0 0 15,0 1 16,32-1 0,-1 32-16,-31 32-15,0-1 31,32-62 31,-32-1-63,32 32 17,-32 32-1,0-1 16,-32-31 0</inkml:trace>
   <inkml:trace contextRef="#ctx0" brushRef="#br0" timeOffset="43531.25">7112 11112 0,'32'0'219,"0"0"-204,-1 0-15,1 0 16,31 0 0,1 0-1,-32 0 1,0 0 0,-1 0-1,1 0 1,0 0-16,31 0 15,-31 0 1,0 0 0,0 0-16,-1 0 15,-31 32 1,32-32 0,-32 32-1,0 31 16,0-31-15,0 0-16,0 0 16,0-1-1,-32 33-15,1-32 16,-1-1-16,0 1 16,32 0-1,-32 0 1,0-32-1,32 31-15,-31-31 16,-1 32 0,0-32-16,1 0 15,-1 0 1,0 0 15,32-32-15,0 1 15,0-1 0,32 0-15,0 32 0,-32-32-1,31 32-15,1 0 16,0 0-1,-32-31 1,31 31 0,1 0-1,0 0 1,0 0 0,0 0-16,-32 63 15,31-63-15,1 0 16,-32 32-16,32-32 15,-32 32-15,31-32 16,33 31 0,-64 1-16,32 0 15,-32 0 1,0-1-16,0 1 16,32 0-16,-32 0 15,0-1 1,0 33-16,0-32 15,0-1 17,0 1-17,-32 0 1,32 0 0,-32-32-1,32 31-15,-32-31 16,32 32-16,-32-32 15,1 0-15,-1 0 32,0 0-17,1 0-15,-1 0 16,0 0 0,0 0-1</inkml:trace>
   <inkml:trace contextRef="#ctx0" brushRef="#br0" timeOffset="44809.557">8128 11208 0,'32'0'219,"0"0"-204,-1 0 1,1-32-1,63 0-15,-31 32 16,-1 0 0,-31 0-16,0 0 15,-1 0 1,1 0-16,0 0 16,0 0-16,31 0 15,-31 0-15,0 0 16,-1 0-1,1 0 1,0 32 0,0-32-1,0 0-15,-32 32 16,63 31-16,-31-31 16,-1 31-16,1-31 0,32 32 15,-64-1-15,32-31 16,-1 63-16,1-63 15,-32 0-15,0-1 16,32-31-16,-32 32 16,31 0-16,-31 0 15,32-32 1,-32 31-16,0 1 31,0 0-15,32-32 15,-32 63-31,0-94 63,0-1-32,0 0-16</inkml:trace>
   <inkml:trace contextRef="#ctx0" brushRef="#br0" timeOffset="45627.085">9334 10954 0,'-31'63'125,"-33"-31"-125,64 63 16,-95 32-16,63-95 15,-63 190-15,63-222 16,32 32-16,-63 63 16,-1 32-16,64-95 15,-32-32-15,1 32 16,31-1-1,-32-31-15,32 64 16,-32-64-16,32 32 0,-31-1 16,-1 1-16,-32-32 15,64 32-15,-32 0 16,1-32-16,31 63 16,-32-63-16,32 32 15,-63 0-15,63-1 16,-32-31-1,0 0-15,32 32 16,-32 32 0,0-64 15,32-32-31</inkml:trace>
@@ -237,10 +237,10 @@
   <inkml:trace contextRef="#ctx0" brushRef="#br0" timeOffset="82379.214">22098 11366 0,'0'32'297,"0"0"-281,-32-32-16,0 32 16,1-32-1,-1 31-15,0 1 16,32 0-16,-31-32 15,31 32 1,-32-1 0,0-31 15,0 0-15,32 32-16,-32-32 15</inkml:trace>
   <inkml:trace contextRef="#ctx0" brushRef="#br0" timeOffset="87406.734">23114 9747 0,'0'64'282,"0"63"-267,0-96-15,0 128 16,0-95-16,0-33 16,0 33-16,0-1 15,0-31-15,0 0 16,0 0-16,0 31 15,0 1-15,0-33 16,0 1-16,0 63 16,0-31-1,0-32-15,0-1 0,0 1 16,0 32 0,0-33-16,0 1 15,0 32-15,0 31 16,0-63-1,-32 31-15,32 64 16,0-95 0,0 31-1,-32-63-15,32 32 16,0 32-16,0-1 16,0-31-16,0 0 15,0 31-15,-31-63 16,31 64-1,-32-33 1,32 1 0,0 0-1,0 0 1,0-1 15,0-62 79,0-1-95,0 0-15,0 0 16,0-31-16,0 31 15,32-31-15,-32 31 16,31-32-16,-31 1 16,0 31-1,32 0 1,-32 1 0,0-1-16,32 0 15,-32 0 1,32-31-16,-32 31 15,32 0 1,-32 1 0,31-1 15,1 32 0,-32-32-15,32 32-1,-32-32 1,31 32-16,1 0 0,0 0 31,0 0 1,-32-31-32,32 31 15,-1 0 1,1 0-1,0 0 17,-1 0-17,1 0 1,0 0 0,0 0-16,0 31 31,-1-31-31,-31 32 15,0 0 1,32-32 0,-32 32-16,0-1 31,0 1-31,32-32 16,-32 32-16,0 63 15,0-31-15,0-33 16,0 1-16,0 32 15,0-33-15,0 1 32,0 0-32,0 0 15,0 31-15,0-31 16,0 31 0,0-31-1,0 0 1,0 0-1,0-1 1,0 1 15,-32-32-31,32 32 16,-32-32 0,1 0-1,-33 0 1,32 0-16,-31 0 15,-1 0-15,-95 0 16,33 0 0,62 0-16,-31 0 15,31 0-15,33 0 16,-33 0-16,0 0 16,33 0-16,-1 0 15,0 0 1,1 0-1</inkml:trace>
   <inkml:trace contextRef="#ctx0" brushRef="#br0" timeOffset="90207.476">7144 10763 0,'0'32'219,"0"0"-219,32 31 16,-32-31-1,31 63 1,1-63-16,-32 63 0,0-31 16,0-33-16,32 33 15,-32-1-15,63 1 16,-63-32-16,0-1 16,0 33-16,0-1 15,32 1-15,-32-32 16,32-1-16,-32 33 15,0-32 1,0-1-16,32-31 16,-32 32-1,0 0-15,31 0 16,1-1-16,-32 1 16,32 0-16,-1-32 15,-31 32-15,32-1 16,-32 1-1,32 0 1,0 0-16,0-1 31,-32 1-31,31-32 16,-31 32 0</inkml:trace>
-  <inkml:trace contextRef="#ctx0" brushRef="#br0" timeOffset="92077.992">7525 13017 0,'0'32'297,"0"0"-282,0 0 1,-32-1 0,32 33-1,0-32 16,0-1-15,0 1 0,-63-32-16,63 32 31,0 0-15,0-1-16,-32-31 15,32 32-15,0 0 31,0 0 1,-32-32-32,32 31 15,0 1 17,0 0-17,-32-32 1,32 32-1,-32-32 1,32 31 0,0 1 31,-31 0-1,31 31 1,0-31-15,63-32 77,159 0-93,-158 0-16,31 0 15,-31 0-15,-33 0 16,33 0-16,0 0 0,-33 0 15,33 0 1,-33 0 0,33 0-1,-32 0-15,0 0 16,-1 0-16,1 0 16,31 32-1,-31-32 1,0 0-16,-32 32 15,32-32 1,0 0 0,31 0-1</inkml:trace>
+  <inkml:trace contextRef="#ctx0" brushRef="#br0" timeOffset="92077.991">7525 13017 0,'0'32'297,"0"0"-282,0 0 1,-32-1 0,32 33-1,0-32 16,0-1-15,0 1 0,-63-32-16,63 32 31,0 0-15,0-1-16,-32-31 15,32 32-15,0 0 31,0 0 1,-32-32-32,32 31 15,0 1 17,0 0-17,-32-32 1,32 32-1,-32-32 1,32 31 0,0 1 31,-31 0-1,31 31 1,0-31-15,63-32 77,159 0-93,-158 0-16,31 0 15,-31 0-15,-33 0 16,33 0-16,0 0 0,-33 0 15,33 0 1,-33 0 0,33 0-1,-32 0-15,0 0 16,-1 0-16,1 0 16,31 32-1,-31-32 1,0 0-16,-32 32 15,32-32 1,0 0 0,31 0-1</inkml:trace>
   <inkml:trace contextRef="#ctx0" brushRef="#br0" timeOffset="93178.632">7969 12668 0,'0'32'203,"0"63"-187,0 64 0,0-96-16,0 64 15,0-31-15,0 31 16,0-32-16,0-32 16,0 33-16,0-33 15,0 1-15,0 31 16,0-63-16,0-1 0,0 1 15,0 0-15,0 63 16,0 0 0,0 1-1,0-65-15,0 1 16,0 0-16,0 0 16,0 63-16,0-32 15,0-31-15,0 0 0,0 31 16,0-31-1,-31 32-15,31-33 0,0 1 32,0 0-32,0 0 15,-32-64 32</inkml:trace>
   <inkml:trace contextRef="#ctx0" brushRef="#br0" timeOffset="94406.011">12732 10668 0,'0'32'187,"32"-1"-171,-32 1-16,63 95 16,-31-95-1,-1 0-15,-31-1 16,32-31-16,-32 32 15,32-32-15,-32 32 16,32 0-16,-32-1 16,63 1-16,-63 0 15,32-32-15,0 32 16,-1-32-16,-31 31 16,32 1-16,32 32 0,-64-33 15,63 33-15,1-32 16,-33 63-16,1-32 15,32-31-15,-64 0 16,0 0-16,32-1 16,-1 1-16,1-32 15,-32 32 1,0 0-16,32-32 16,-32 31-16,63 33 15,-63-32-15,32 31 0,32-31 16,-64 0-16,31-32 15,-31 31 1,32-31-16,-32 64 16</inkml:trace>
-  <inkml:trace contextRef="#ctx0" brushRef="#br0" timeOffset="96253.406">13398 12636 0,'0'32'156,"-63"32"-140,63-33 0,-32-31-16,32 64 15,-31-32-15,31-1 16,-32 33-1,-32 31-15,32-31 16,1-1-16,31-31 16,-32 63-16,0-31 15,1-1-15,31 32 16,-64 1-16,32-65 16,32 1-16,0 0 15,-32 31-15,32-31 0,-31 0 16,31 0-1,0-1 1,-32-31 0,32 32-16,0 0 15,0 0 1,0-1-16,-32 1 31,32 0-15,0 31 15,0 1-31,0-32 16,0-1-1,32-31 1,-32 64-16,32-64 16,-32 32-1,31-32-15,33 0 31,-32 0-31,0 0 16,-1 0-16,1 0 16,0 0-16,-1 31 15,1-31-15,0 0 16,0 0 0,0 0-1,-1 0 1,1 0 15,0 0-15,-32-31-1,31 31 17,-31-32-17,0 0 16,0 0-31,0 1 63,-31 31-47,-1 0-1,32-32 1,-32 32-1,1 0 1,-1 0 0,0 0-1,0 0 1,0 0-16,1 0 16,-1 0-1,32-32-15,-32 32 16</inkml:trace>
+  <inkml:trace contextRef="#ctx0" brushRef="#br0" timeOffset="96253.405">13398 12636 0,'0'32'156,"-63"32"-140,63-33 0,-32-31-16,32 64 15,-31-32-15,31-1 16,-32 33-1,-32 31-15,32-31 16,1-1-16,31-31 16,-32 63-16,0-31 15,1-1-15,31 32 16,-64 1-16,32-65 16,32 1-16,0 0 15,-32 31-15,32-31 0,-31 0 16,31 0-1,0-1 1,-32-31 0,32 32-16,0 0 15,0 0 1,0-1-16,-32 1 31,32 0-15,0 31 15,0 1-31,0-32 16,0-1-1,32-31 1,-32 64-16,32-64 16,-32 32-1,31-32-15,33 0 31,-32 0-31,0 0 16,-1 0-16,1 0 16,0 0-16,-1 31 15,1-31-15,0 0 16,0 0 0,0 0-1,-1 0 1,1 0 15,0 0-15,-32-31-1,31 31 17,-31-32-17,0 0 16,0 0-31,0 1 63,-31 31-47,-1 0-1,32-32 1,-32 32-1,1 0 1,-1 0 0,0 0-1,0 0 1,0 0-16,1 0 16,-1 0-1,32-32-15,-32 32 16</inkml:trace>
 </inkml:ink>
 </file>
 
@@ -326,7 +326,7 @@
           <a:p>
             <a:fld id="{3B8D1544-034B-4089-A88E-FD9B83466D9B}" type="datetimeFigureOut">
               <a:rPr lang="zh-TW" altLang="en-US" smtClean="0"/>
-              <a:t>2018/9/24</a:t>
+              <a:t>2019/7/15</a:t>
             </a:fld>
             <a:endParaRPr lang="zh-TW" altLang="en-US"/>
           </a:p>
@@ -700,12 +700,25 @@
               </a:rPr>
               <a:t>Does it have applications?</a:t>
             </a:r>
-            <a:endParaRPr lang="en-US" altLang="zh-TW" dirty="0"/>
-          </a:p>
-          <a:p>
-            <a:endParaRPr lang="en-US" altLang="zh-TW" dirty="0"/>
-          </a:p>
-          <a:p>
+          </a:p>
+          <a:p>
+            <a:pPr marL="0" marR="0" lvl="0" indent="0" algn="l" defTabSz="914400" rtl="0" eaLnBrk="1" fontAlgn="auto" latinLnBrk="0" hangingPunct="1">
+              <a:lnSpc>
+                <a:spcPct val="100000"/>
+              </a:lnSpc>
+              <a:spcBef>
+                <a:spcPts val="0"/>
+              </a:spcBef>
+              <a:spcAft>
+                <a:spcPts val="0"/>
+              </a:spcAft>
+              <a:buClrTx/>
+              <a:buSzTx/>
+              <a:buFontTx/>
+              <a:buNone/>
+              <a:tabLst/>
+              <a:defRPr/>
+            </a:pPr>
             <a:endParaRPr lang="en-US" altLang="zh-TW" dirty="0"/>
           </a:p>
           <a:p>
@@ -727,40 +740,24 @@
           <a:p>
             <a:r>
               <a:rPr lang="en-US" altLang="zh-TW" baseline="0" dirty="0"/>
-              <a:t>	Why only one or </a:t>
-            </a:r>
-            <a:r>
-              <a:rPr lang="en-US" altLang="zh-TW" baseline="0" dirty="0" err="1"/>
-              <a:t>inifintie</a:t>
+              <a:t>	Why only one or infinite solut</a:t>
+            </a:r>
+            <a:r>
+              <a:rPr lang="en-US" altLang="zh-CN" baseline="0" dirty="0"/>
+              <a:t>i</a:t>
             </a:r>
             <a:r>
               <a:rPr lang="en-US" altLang="zh-TW" baseline="0" dirty="0"/>
-              <a:t> </a:t>
-            </a:r>
-            <a:r>
-              <a:rPr lang="en-US" altLang="zh-TW" baseline="0" dirty="0" err="1"/>
-              <a:t>soluiton</a:t>
-            </a:r>
+              <a:t>on?</a:t>
+            </a:r>
+          </a:p>
+          <a:p>
+            <a:endParaRPr lang="en-US" altLang="zh-TW" baseline="0" dirty="0"/>
+          </a:p>
+          <a:p>
             <a:r>
               <a:rPr lang="en-US" altLang="zh-TW" baseline="0" dirty="0"/>
-              <a:t>?</a:t>
-            </a:r>
-          </a:p>
-          <a:p>
-            <a:endParaRPr lang="en-US" altLang="zh-TW" baseline="0" dirty="0"/>
-          </a:p>
-          <a:p>
-            <a:r>
-              <a:rPr lang="en-US" altLang="zh-TW" baseline="0" dirty="0"/>
-              <a:t>	Intuitive link of </a:t>
-            </a:r>
-            <a:r>
-              <a:rPr lang="en-US" altLang="zh-TW" baseline="0" dirty="0" err="1"/>
-              <a:t>infiitnie</a:t>
-            </a:r>
-            <a:r>
-              <a:rPr lang="en-US" altLang="zh-TW" baseline="0" dirty="0"/>
-              <a:t> solution and independent</a:t>
+              <a:t>	Intuitive link of infinite solution and independent</a:t>
             </a:r>
             <a:endParaRPr lang="en-US" altLang="zh-TW" dirty="0"/>
           </a:p>
@@ -1011,7 +1008,7 @@
           <a:p>
             <a:fld id="{66E6B2C5-139D-48F7-BA78-0C11E7CF6B44}" type="slidenum">
               <a:rPr lang="zh-TW" altLang="en-US" smtClean="0"/>
-              <a:t>17</a:t>
+              <a:t>16</a:t>
             </a:fld>
             <a:endParaRPr lang="zh-TW" altLang="en-US"/>
           </a:p>
@@ -1020,7 +1017,7 @@
     </p:spTree>
     <p:extLst>
       <p:ext uri="{BB962C8B-B14F-4D97-AF65-F5344CB8AC3E}">
-        <p14:creationId xmlns:p14="http://schemas.microsoft.com/office/powerpoint/2010/main" val="1227999900"/>
+        <p14:creationId xmlns:p14="http://schemas.microsoft.com/office/powerpoint/2010/main" val="1926864443"/>
       </p:ext>
     </p:extLst>
   </p:cSld>
@@ -1190,7 +1187,7 @@
           <a:p>
             <a:fld id="{66E6B2C5-139D-48F7-BA78-0C11E7CF6B44}" type="slidenum">
               <a:rPr lang="zh-TW" altLang="en-US" smtClean="0"/>
-              <a:t>18</a:t>
+              <a:t>17</a:t>
             </a:fld>
             <a:endParaRPr lang="zh-TW" altLang="en-US"/>
           </a:p>
@@ -1199,7 +1196,7 @@
     </p:spTree>
     <p:extLst>
       <p:ext uri="{BB962C8B-B14F-4D97-AF65-F5344CB8AC3E}">
-        <p14:creationId xmlns:p14="http://schemas.microsoft.com/office/powerpoint/2010/main" val="2992557465"/>
+        <p14:creationId xmlns:p14="http://schemas.microsoft.com/office/powerpoint/2010/main" val="1227999900"/>
       </p:ext>
     </p:extLst>
   </p:cSld>
@@ -1271,6 +1268,185 @@
               <a:defRPr/>
             </a:pPr>
             <a:r>
+              <a:rPr lang="en-US" altLang="zh-TW" dirty="0"/>
+              <a:t>(b) the maximum number of linearly independent </a:t>
+            </a:r>
+            <a:r>
+              <a:rPr lang="en-US" altLang="zh-TW" i="1" dirty="0"/>
+              <a:t>row</a:t>
+            </a:r>
+            <a:r>
+              <a:rPr lang="en-US" altLang="zh-TW" dirty="0"/>
+              <a:t> vectors in the matrix. Both definitions are equivalent.</a:t>
+            </a:r>
+          </a:p>
+          <a:p>
+            <a:pPr marL="0" marR="0" indent="0" algn="l" defTabSz="914400" rtl="0" eaLnBrk="1" fontAlgn="auto" latinLnBrk="0" hangingPunct="1">
+              <a:lnSpc>
+                <a:spcPct val="100000"/>
+              </a:lnSpc>
+              <a:spcBef>
+                <a:spcPts val="0"/>
+              </a:spcBef>
+              <a:spcAft>
+                <a:spcPts val="0"/>
+              </a:spcAft>
+              <a:buClrTx/>
+              <a:buSzTx/>
+              <a:buFontTx/>
+              <a:buNone/>
+              <a:tabLst/>
+              <a:defRPr/>
+            </a:pPr>
+            <a:endParaRPr lang="en-US" altLang="zh-TW" dirty="0"/>
+          </a:p>
+          <a:p>
+            <a:pPr marL="0" marR="0" indent="0" algn="l" defTabSz="914400" rtl="0" eaLnBrk="1" fontAlgn="auto" latinLnBrk="0" hangingPunct="1">
+              <a:lnSpc>
+                <a:spcPct val="100000"/>
+              </a:lnSpc>
+              <a:spcBef>
+                <a:spcPts val="0"/>
+              </a:spcBef>
+              <a:spcAft>
+                <a:spcPts val="0"/>
+              </a:spcAft>
+              <a:buClrTx/>
+              <a:buSzTx/>
+              <a:buFontTx/>
+              <a:buNone/>
+              <a:tabLst/>
+              <a:defRPr/>
+            </a:pPr>
+            <a:r>
+              <a:rPr lang="en-US" altLang="zh-TW" dirty="0"/>
+              <a:t>The rank of a matrix would be zero only if the matrix had no non-zero elements. If a matrix had even one non-zero element, its minimum rank would be one.</a:t>
+            </a:r>
+            <a:endParaRPr lang="zh-TW" altLang="en-US" dirty="0"/>
+          </a:p>
+          <a:p>
+            <a:pPr marL="0" marR="0" indent="0" algn="l" defTabSz="914400" rtl="0" eaLnBrk="1" fontAlgn="auto" latinLnBrk="0" hangingPunct="1">
+              <a:lnSpc>
+                <a:spcPct val="100000"/>
+              </a:lnSpc>
+              <a:spcBef>
+                <a:spcPts val="0"/>
+              </a:spcBef>
+              <a:spcAft>
+                <a:spcPts val="0"/>
+              </a:spcAft>
+              <a:buClrTx/>
+              <a:buSzTx/>
+              <a:buFontTx/>
+              <a:buNone/>
+              <a:tabLst/>
+              <a:defRPr/>
+            </a:pPr>
+            <a:endParaRPr lang="en-US" altLang="zh-TW" dirty="0"/>
+          </a:p>
+          <a:p>
+            <a:endParaRPr lang="zh-TW" altLang="en-US" dirty="0"/>
+          </a:p>
+        </p:txBody>
+      </p:sp>
+      <p:sp>
+        <p:nvSpPr>
+          <p:cNvPr id="4" name="投影片編號版面配置區 3"/>
+          <p:cNvSpPr>
+            <a:spLocks noGrp="1"/>
+          </p:cNvSpPr>
+          <p:nvPr>
+            <p:ph type="sldNum" sz="quarter" idx="10"/>
+          </p:nvPr>
+        </p:nvSpPr>
+        <p:spPr/>
+        <p:txBody>
+          <a:bodyPr/>
+          <a:lstStyle/>
+          <a:p>
+            <a:fld id="{66E6B2C5-139D-48F7-BA78-0C11E7CF6B44}" type="slidenum">
+              <a:rPr lang="zh-TW" altLang="en-US" smtClean="0"/>
+              <a:t>18</a:t>
+            </a:fld>
+            <a:endParaRPr lang="zh-TW" altLang="en-US"/>
+          </a:p>
+        </p:txBody>
+      </p:sp>
+    </p:spTree>
+    <p:extLst>
+      <p:ext uri="{BB962C8B-B14F-4D97-AF65-F5344CB8AC3E}">
+        <p14:creationId xmlns:p14="http://schemas.microsoft.com/office/powerpoint/2010/main" val="2992557465"/>
+      </p:ext>
+    </p:extLst>
+  </p:cSld>
+  <p:clrMapOvr>
+    <a:masterClrMapping/>
+  </p:clrMapOvr>
+</p:notes>
+</file>
+
+<file path=ppt/notesSlides/notesSlide13.xml><?xml version="1.0" encoding="utf-8"?>
+<p:notes xmlns:a="http://schemas.openxmlformats.org/drawingml/2006/main" xmlns:r="http://schemas.openxmlformats.org/officeDocument/2006/relationships" xmlns:p="http://schemas.openxmlformats.org/presentationml/2006/main">
+  <p:cSld>
+    <p:spTree>
+      <p:nvGrpSpPr>
+        <p:cNvPr id="1" name=""/>
+        <p:cNvGrpSpPr/>
+        <p:nvPr/>
+      </p:nvGrpSpPr>
+      <p:grpSpPr>
+        <a:xfrm>
+          <a:off x="0" y="0"/>
+          <a:ext cx="0" cy="0"/>
+          <a:chOff x="0" y="0"/>
+          <a:chExt cx="0" cy="0"/>
+        </a:xfrm>
+      </p:grpSpPr>
+      <p:sp>
+        <p:nvSpPr>
+          <p:cNvPr id="2" name="投影片圖像版面配置區 1"/>
+          <p:cNvSpPr>
+            <a:spLocks noGrp="1" noRot="1" noChangeAspect="1"/>
+          </p:cNvSpPr>
+          <p:nvPr>
+            <p:ph type="sldImg"/>
+          </p:nvPr>
+        </p:nvSpPr>
+        <p:spPr/>
+      </p:sp>
+      <p:sp>
+        <p:nvSpPr>
+          <p:cNvPr id="3" name="備忘稿版面配置區 2"/>
+          <p:cNvSpPr>
+            <a:spLocks noGrp="1"/>
+          </p:cNvSpPr>
+          <p:nvPr>
+            <p:ph type="body" idx="1"/>
+          </p:nvPr>
+        </p:nvSpPr>
+        <p:spPr/>
+        <p:txBody>
+          <a:bodyPr/>
+          <a:lstStyle/>
+          <a:p>
+            <a:pPr marL="0" marR="0" indent="0" algn="l" defTabSz="914400" rtl="0" eaLnBrk="1" fontAlgn="auto" latinLnBrk="0" hangingPunct="1">
+              <a:lnSpc>
+                <a:spcPct val="100000"/>
+              </a:lnSpc>
+              <a:spcBef>
+                <a:spcPts val="0"/>
+              </a:spcBef>
+              <a:spcAft>
+                <a:spcPts val="0"/>
+              </a:spcAft>
+              <a:buClrTx/>
+              <a:buSzTx/>
+              <a:buFontTx/>
+              <a:buNone/>
+              <a:tabLst/>
+              <a:defRPr/>
+            </a:pPr>
+            <a:r>
               <a:rPr lang="en-US" altLang="zh-TW" sz="1200" dirty="0">
                 <a:solidFill>
                   <a:srgbClr val="0000FF"/>
@@ -1383,6 +1559,142 @@
     <p:extLst>
       <p:ext uri="{BB962C8B-B14F-4D97-AF65-F5344CB8AC3E}">
         <p14:creationId xmlns:p14="http://schemas.microsoft.com/office/powerpoint/2010/main" val="3548861594"/>
+      </p:ext>
+    </p:extLst>
+  </p:cSld>
+  <p:clrMapOvr>
+    <a:masterClrMapping/>
+  </p:clrMapOvr>
+</p:notes>
+</file>
+
+<file path=ppt/notesSlides/notesSlide14.xml><?xml version="1.0" encoding="utf-8"?>
+<p:notes xmlns:a="http://schemas.openxmlformats.org/drawingml/2006/main" xmlns:r="http://schemas.openxmlformats.org/officeDocument/2006/relationships" xmlns:p="http://schemas.openxmlformats.org/presentationml/2006/main">
+  <p:cSld>
+    <p:spTree>
+      <p:nvGrpSpPr>
+        <p:cNvPr id="1" name=""/>
+        <p:cNvGrpSpPr/>
+        <p:nvPr/>
+      </p:nvGrpSpPr>
+      <p:grpSpPr>
+        <a:xfrm>
+          <a:off x="0" y="0"/>
+          <a:ext cx="0" cy="0"/>
+          <a:chOff x="0" y="0"/>
+          <a:chExt cx="0" cy="0"/>
+        </a:xfrm>
+      </p:grpSpPr>
+      <p:sp>
+        <p:nvSpPr>
+          <p:cNvPr id="2" name="幻灯片图像占位符 1"/>
+          <p:cNvSpPr>
+            <a:spLocks noGrp="1" noRot="1" noChangeAspect="1"/>
+          </p:cNvSpPr>
+          <p:nvPr>
+            <p:ph type="sldImg"/>
+          </p:nvPr>
+        </p:nvSpPr>
+        <p:spPr/>
+      </p:sp>
+      <p:sp>
+        <p:nvSpPr>
+          <p:cNvPr id="3" name="备注占位符 2"/>
+          <p:cNvSpPr>
+            <a:spLocks noGrp="1"/>
+          </p:cNvSpPr>
+          <p:nvPr>
+            <p:ph type="body" idx="1"/>
+          </p:nvPr>
+        </p:nvSpPr>
+        <p:spPr/>
+        <p:txBody>
+          <a:bodyPr/>
+          <a:lstStyle/>
+          <a:p>
+            <a:r>
+              <a:rPr lang="en-US" altLang="zh-CN" dirty="0"/>
+              <a:t>No, may has no solution</a:t>
+            </a:r>
+          </a:p>
+          <a:p>
+            <a:r>
+              <a:rPr lang="en-US" altLang="zh-CN" dirty="0"/>
+              <a:t>Yes</a:t>
+            </a:r>
+          </a:p>
+          <a:p>
+            <a:pPr marL="0" marR="0" lvl="0" indent="0" algn="l" defTabSz="914400" rtl="0" eaLnBrk="1" fontAlgn="auto" latinLnBrk="0" hangingPunct="1">
+              <a:lnSpc>
+                <a:spcPct val="100000"/>
+              </a:lnSpc>
+              <a:spcBef>
+                <a:spcPts val="0"/>
+              </a:spcBef>
+              <a:spcAft>
+                <a:spcPts val="0"/>
+              </a:spcAft>
+              <a:buClrTx/>
+              <a:buSzTx/>
+              <a:buFontTx/>
+              <a:buNone/>
+              <a:tabLst/>
+              <a:defRPr/>
+            </a:pPr>
+            <a:r>
+              <a:rPr lang="en-US" altLang="zh-CN" dirty="0"/>
+              <a:t>No, may has no solution</a:t>
+            </a:r>
+          </a:p>
+          <a:p>
+            <a:r>
+              <a:rPr lang="en-US" altLang="zh-CN" dirty="0"/>
+              <a:t>Yes,</a:t>
+            </a:r>
+            <a:r>
+              <a:rPr lang="zh-CN" altLang="en-US" dirty="0"/>
+              <a:t> </a:t>
+            </a:r>
+            <a:r>
+              <a:rPr lang="en-US" altLang="zh-CN" dirty="0"/>
+              <a:t>all zero</a:t>
+            </a:r>
+          </a:p>
+          <a:p>
+            <a:r>
+              <a:rPr lang="en-US" altLang="zh-CN"/>
+              <a:t>Yes</a:t>
+            </a:r>
+          </a:p>
+        </p:txBody>
+      </p:sp>
+      <p:sp>
+        <p:nvSpPr>
+          <p:cNvPr id="4" name="灯片编号占位符 3"/>
+          <p:cNvSpPr>
+            <a:spLocks noGrp="1"/>
+          </p:cNvSpPr>
+          <p:nvPr>
+            <p:ph type="sldNum" sz="quarter" idx="5"/>
+          </p:nvPr>
+        </p:nvSpPr>
+        <p:spPr/>
+        <p:txBody>
+          <a:bodyPr/>
+          <a:lstStyle/>
+          <a:p>
+            <a:fld id="{66E6B2C5-139D-48F7-BA78-0C11E7CF6B44}" type="slidenum">
+              <a:rPr lang="zh-TW" altLang="en-US" smtClean="0"/>
+              <a:t>21</a:t>
+            </a:fld>
+            <a:endParaRPr lang="zh-TW" altLang="en-US"/>
+          </a:p>
+        </p:txBody>
+      </p:sp>
+    </p:spTree>
+    <p:extLst>
+      <p:ext uri="{BB962C8B-B14F-4D97-AF65-F5344CB8AC3E}">
+        <p14:creationId xmlns:p14="http://schemas.microsoft.com/office/powerpoint/2010/main" val="2442505103"/>
       </p:ext>
     </p:extLst>
   </p:cSld>
@@ -1777,7 +2089,7 @@
       </p:grpSpPr>
       <p:sp>
         <p:nvSpPr>
-          <p:cNvPr id="2" name="投影片圖像版面配置區 1"/>
+          <p:cNvPr id="2" name="幻灯片图像占位符 1"/>
           <p:cNvSpPr>
             <a:spLocks noGrp="1" noRot="1" noChangeAspect="1"/>
           </p:cNvSpPr>
@@ -1789,7 +2101,7 @@
       </p:sp>
       <p:sp>
         <p:nvSpPr>
-          <p:cNvPr id="3" name="備忘稿版面配置區 2"/>
+          <p:cNvPr id="3" name="备注占位符 2"/>
           <p:cNvSpPr>
             <a:spLocks noGrp="1"/>
           </p:cNvSpPr>
@@ -1803,21 +2115,21 @@
           <a:lstStyle/>
           <a:p>
             <a:r>
-              <a:rPr lang="en-US" altLang="zh-TW" sz="1200" dirty="0"/>
-              <a:t>How about the vector with only one element?</a:t>
-            </a:r>
-            <a:endParaRPr lang="zh-TW" altLang="en-US" sz="1200" dirty="0"/>
+              <a:rPr lang="zh-CN" altLang="en-US" dirty="0"/>
+              <a:t>如果有了一个以上的解，就会有无数解</a:t>
+            </a:r>
+            <a:endParaRPr lang="en-US" altLang="zh-CN" dirty="0"/>
           </a:p>
         </p:txBody>
       </p:sp>
       <p:sp>
         <p:nvSpPr>
-          <p:cNvPr id="4" name="投影片編號版面配置區 3"/>
+          <p:cNvPr id="4" name="灯片编号占位符 3"/>
           <p:cNvSpPr>
             <a:spLocks noGrp="1"/>
           </p:cNvSpPr>
           <p:nvPr>
-            <p:ph type="sldNum" sz="quarter" idx="10"/>
+            <p:ph type="sldNum" sz="quarter" idx="5"/>
           </p:nvPr>
         </p:nvSpPr>
         <p:spPr/>
@@ -1827,7 +2139,7 @@
           <a:p>
             <a:fld id="{66E6B2C5-139D-48F7-BA78-0C11E7CF6B44}" type="slidenum">
               <a:rPr lang="zh-TW" altLang="en-US" smtClean="0"/>
-              <a:t>7</a:t>
+              <a:t>5</a:t>
             </a:fld>
             <a:endParaRPr lang="zh-TW" altLang="en-US"/>
           </a:p>
@@ -1836,7 +2148,7 @@
     </p:spTree>
     <p:extLst>
       <p:ext uri="{BB962C8B-B14F-4D97-AF65-F5344CB8AC3E}">
-        <p14:creationId xmlns:p14="http://schemas.microsoft.com/office/powerpoint/2010/main" val="4183450301"/>
+        <p14:creationId xmlns:p14="http://schemas.microsoft.com/office/powerpoint/2010/main" val="2046724052"/>
       </p:ext>
     </p:extLst>
   </p:cSld>
@@ -1890,90 +2202,74 @@
           <a:bodyPr/>
           <a:lstStyle/>
           <a:p>
-            <a:pPr algn="ctr"/>
-            <a:r>
-              <a:rPr lang="en-US" altLang="zh-TW" dirty="0">
-                <a:solidFill>
-                  <a:srgbClr val="FF0000"/>
-                </a:solidFill>
-              </a:rPr>
-              <a:t>How about only one vector</a:t>
-            </a:r>
-          </a:p>
-          <a:p>
-            <a:pPr algn="ctr"/>
-            <a:endParaRPr lang="en-US" altLang="zh-TW" dirty="0">
-              <a:solidFill>
-                <a:srgbClr val="FF0000"/>
-              </a:solidFill>
-            </a:endParaRPr>
-          </a:p>
-          <a:p>
-            <a:pPr algn="ctr"/>
-            <a:r>
-              <a:rPr lang="en-US" altLang="zh-TW" dirty="0">
-                <a:solidFill>
-                  <a:srgbClr val="FF0000"/>
-                </a:solidFill>
-              </a:rPr>
-              <a:t>2.5</a:t>
-            </a:r>
-            <a:r>
-              <a:rPr lang="en-US" altLang="zh-TW" b="1" dirty="0">
-                <a:solidFill>
-                  <a:srgbClr val="FF0000"/>
-                </a:solidFill>
-                <a:sym typeface="MT Extra" pitchFamily="18" charset="2"/>
-              </a:rPr>
-              <a:t>u</a:t>
-            </a:r>
-            <a:r>
-              <a:rPr lang="en-US" altLang="zh-TW" baseline="-25000" dirty="0">
-                <a:solidFill>
-                  <a:srgbClr val="FF0000"/>
-                </a:solidFill>
-                <a:sym typeface="Symbol" pitchFamily="18" charset="2"/>
-              </a:rPr>
-              <a:t>1</a:t>
-            </a:r>
-            <a:r>
-              <a:rPr lang="en-US" altLang="zh-TW" dirty="0">
-                <a:solidFill>
-                  <a:srgbClr val="FF0000"/>
-                </a:solidFill>
-                <a:sym typeface="Symbol" pitchFamily="18" charset="2"/>
-              </a:rPr>
-              <a:t> </a:t>
-            </a:r>
-            <a:r>
-              <a:rPr lang="en-US" altLang="zh-TW" dirty="0">
-                <a:solidFill>
-                  <a:srgbClr val="FF0000"/>
-                </a:solidFill>
-                <a:sym typeface="MT Extra" pitchFamily="18" charset="2"/>
-              </a:rPr>
-              <a:t>= </a:t>
-            </a:r>
-            <a:r>
-              <a:rPr lang="en-US" altLang="zh-TW" b="1" dirty="0">
-                <a:solidFill>
-                  <a:srgbClr val="FF0000"/>
-                </a:solidFill>
-              </a:rPr>
-              <a:t>u</a:t>
-            </a:r>
-            <a:r>
-              <a:rPr lang="en-US" altLang="zh-TW" baseline="-25000" dirty="0">
-                <a:solidFill>
-                  <a:srgbClr val="FF0000"/>
-                </a:solidFill>
-                <a:sym typeface="Symbol" pitchFamily="18" charset="2"/>
-              </a:rPr>
-              <a:t>2</a:t>
-            </a:r>
-          </a:p>
-          <a:p>
-            <a:endParaRPr lang="zh-TW" altLang="en-US" dirty="0"/>
+            <a:r>
+              <a:rPr lang="en-US" altLang="zh-TW" sz="1200" dirty="0"/>
+              <a:t>How about the vector with only one element?</a:t>
+            </a:r>
+          </a:p>
+          <a:p>
+            <a:endParaRPr lang="en-US" altLang="zh-TW" sz="1200" dirty="0"/>
+          </a:p>
+          <a:p>
+            <a:r>
+              <a:rPr lang="en-US" altLang="zh-TW" sz="1200" dirty="0"/>
+              <a:t>not all zero</a:t>
+            </a:r>
+            <a:r>
+              <a:rPr lang="zh-CN" altLang="en-US" sz="1200" dirty="0"/>
+              <a:t>：存在一个冗余的（没有用的</a:t>
+            </a:r>
+            <a:r>
+              <a:rPr lang="en-US" altLang="zh-CN" sz="1200" dirty="0"/>
+              <a:t>/</a:t>
+            </a:r>
+            <a:r>
+              <a:rPr lang="zh-CN" altLang="en-US" sz="1200" dirty="0"/>
+              <a:t>可以被另一个替代或者等于</a:t>
+            </a:r>
+            <a:r>
+              <a:rPr lang="en-US" altLang="zh-CN" sz="1200" dirty="0"/>
+              <a:t>0</a:t>
+            </a:r>
+            <a:r>
+              <a:rPr lang="zh-CN" altLang="en-US" sz="1200" dirty="0"/>
+              <a:t>向量）</a:t>
+            </a:r>
+            <a:r>
+              <a:rPr lang="en-US" altLang="zh-CN" sz="1200" dirty="0"/>
+              <a:t>vector</a:t>
+            </a:r>
+          </a:p>
+          <a:p>
+            <a:r>
+              <a:rPr lang="en-US" altLang="zh-CN" sz="1200" dirty="0"/>
+              <a:t>all zero</a:t>
+            </a:r>
+            <a:r>
+              <a:rPr lang="zh-CN" altLang="en-US" sz="1200" dirty="0"/>
+              <a:t>：每一个</a:t>
+            </a:r>
+            <a:r>
+              <a:rPr lang="en-US" altLang="zh-CN" sz="1200" dirty="0"/>
+              <a:t>vector</a:t>
+            </a:r>
+            <a:r>
+              <a:rPr lang="zh-CN" altLang="en-US" sz="1200" dirty="0"/>
+              <a:t>都存在独特的信息，所以如果不都是</a:t>
+            </a:r>
+            <a:r>
+              <a:rPr lang="en-US" altLang="zh-CN" sz="1200" dirty="0"/>
+              <a:t>0</a:t>
+            </a:r>
+            <a:r>
+              <a:rPr lang="zh-CN" altLang="en-US" sz="1200" dirty="0"/>
+              <a:t>的话，就会等于</a:t>
+            </a:r>
+            <a:r>
+              <a:rPr lang="en-US" altLang="zh-CN" sz="1200" dirty="0"/>
+              <a:t>0</a:t>
+            </a:r>
+            <a:endParaRPr lang="zh-TW" altLang="en-US" sz="1200" dirty="0"/>
           </a:p>
         </p:txBody>
       </p:sp>
@@ -1994,6 +2290,173 @@
           <a:p>
             <a:fld id="{66E6B2C5-139D-48F7-BA78-0C11E7CF6B44}" type="slidenum">
               <a:rPr lang="zh-TW" altLang="en-US" smtClean="0"/>
+              <a:t>7</a:t>
+            </a:fld>
+            <a:endParaRPr lang="zh-TW" altLang="en-US"/>
+          </a:p>
+        </p:txBody>
+      </p:sp>
+    </p:spTree>
+    <p:extLst>
+      <p:ext uri="{BB962C8B-B14F-4D97-AF65-F5344CB8AC3E}">
+        <p14:creationId xmlns:p14="http://schemas.microsoft.com/office/powerpoint/2010/main" val="4183450301"/>
+      </p:ext>
+    </p:extLst>
+  </p:cSld>
+  <p:clrMapOvr>
+    <a:masterClrMapping/>
+  </p:clrMapOvr>
+</p:notes>
+</file>
+
+<file path=ppt/notesSlides/notesSlide6.xml><?xml version="1.0" encoding="utf-8"?>
+<p:notes xmlns:a="http://schemas.openxmlformats.org/drawingml/2006/main" xmlns:r="http://schemas.openxmlformats.org/officeDocument/2006/relationships" xmlns:p="http://schemas.openxmlformats.org/presentationml/2006/main">
+  <p:cSld>
+    <p:spTree>
+      <p:nvGrpSpPr>
+        <p:cNvPr id="1" name=""/>
+        <p:cNvGrpSpPr/>
+        <p:nvPr/>
+      </p:nvGrpSpPr>
+      <p:grpSpPr>
+        <a:xfrm>
+          <a:off x="0" y="0"/>
+          <a:ext cx="0" cy="0"/>
+          <a:chOff x="0" y="0"/>
+          <a:chExt cx="0" cy="0"/>
+        </a:xfrm>
+      </p:grpSpPr>
+      <p:sp>
+        <p:nvSpPr>
+          <p:cNvPr id="2" name="投影片圖像版面配置區 1"/>
+          <p:cNvSpPr>
+            <a:spLocks noGrp="1" noRot="1" noChangeAspect="1"/>
+          </p:cNvSpPr>
+          <p:nvPr>
+            <p:ph type="sldImg"/>
+          </p:nvPr>
+        </p:nvSpPr>
+        <p:spPr/>
+      </p:sp>
+      <p:sp>
+        <p:nvSpPr>
+          <p:cNvPr id="3" name="備忘稿版面配置區 2"/>
+          <p:cNvSpPr>
+            <a:spLocks noGrp="1"/>
+          </p:cNvSpPr>
+          <p:nvPr>
+            <p:ph type="body" idx="1"/>
+          </p:nvPr>
+        </p:nvSpPr>
+        <p:spPr/>
+        <p:txBody>
+          <a:bodyPr/>
+          <a:lstStyle/>
+          <a:p>
+            <a:pPr algn="ctr"/>
+            <a:r>
+              <a:rPr lang="en-US" altLang="zh-TW" dirty="0">
+                <a:solidFill>
+                  <a:srgbClr val="FF0000"/>
+                </a:solidFill>
+              </a:rPr>
+              <a:t>How about only one vector</a:t>
+            </a:r>
+          </a:p>
+          <a:p>
+            <a:pPr algn="ctr"/>
+            <a:endParaRPr lang="en-US" altLang="zh-TW" dirty="0">
+              <a:solidFill>
+                <a:srgbClr val="FF0000"/>
+              </a:solidFill>
+            </a:endParaRPr>
+          </a:p>
+          <a:p>
+            <a:pPr algn="ctr"/>
+            <a:r>
+              <a:rPr lang="en-US" altLang="zh-TW" dirty="0">
+                <a:solidFill>
+                  <a:srgbClr val="FF0000"/>
+                </a:solidFill>
+              </a:rPr>
+              <a:t>2.5</a:t>
+            </a:r>
+            <a:r>
+              <a:rPr lang="en-US" altLang="zh-TW" b="1" dirty="0">
+                <a:solidFill>
+                  <a:srgbClr val="FF0000"/>
+                </a:solidFill>
+                <a:sym typeface="MT Extra" pitchFamily="18" charset="2"/>
+              </a:rPr>
+              <a:t>u</a:t>
+            </a:r>
+            <a:r>
+              <a:rPr lang="en-US" altLang="zh-TW" baseline="-25000" dirty="0">
+                <a:solidFill>
+                  <a:srgbClr val="FF0000"/>
+                </a:solidFill>
+                <a:sym typeface="Symbol" pitchFamily="18" charset="2"/>
+              </a:rPr>
+              <a:t>1</a:t>
+            </a:r>
+            <a:r>
+              <a:rPr lang="en-US" altLang="zh-TW" dirty="0">
+                <a:solidFill>
+                  <a:srgbClr val="FF0000"/>
+                </a:solidFill>
+                <a:sym typeface="Symbol" pitchFamily="18" charset="2"/>
+              </a:rPr>
+              <a:t> </a:t>
+            </a:r>
+            <a:r>
+              <a:rPr lang="en-US" altLang="zh-TW" dirty="0">
+                <a:solidFill>
+                  <a:srgbClr val="FF0000"/>
+                </a:solidFill>
+                <a:sym typeface="MT Extra" pitchFamily="18" charset="2"/>
+              </a:rPr>
+              <a:t>= </a:t>
+            </a:r>
+            <a:r>
+              <a:rPr lang="en-US" altLang="zh-TW" b="1" dirty="0">
+                <a:solidFill>
+                  <a:srgbClr val="FF0000"/>
+                </a:solidFill>
+              </a:rPr>
+              <a:t>u</a:t>
+            </a:r>
+            <a:r>
+              <a:rPr lang="en-US" altLang="zh-TW" baseline="-25000" dirty="0">
+                <a:solidFill>
+                  <a:srgbClr val="FF0000"/>
+                </a:solidFill>
+                <a:sym typeface="Symbol" pitchFamily="18" charset="2"/>
+              </a:rPr>
+              <a:t>2</a:t>
+            </a:r>
+          </a:p>
+          <a:p>
+            <a:endParaRPr lang="zh-TW" altLang="en-US" dirty="0"/>
+          </a:p>
+        </p:txBody>
+      </p:sp>
+      <p:sp>
+        <p:nvSpPr>
+          <p:cNvPr id="4" name="投影片編號版面配置區 3"/>
+          <p:cNvSpPr>
+            <a:spLocks noGrp="1"/>
+          </p:cNvSpPr>
+          <p:nvPr>
+            <p:ph type="sldNum" sz="quarter" idx="10"/>
+          </p:nvPr>
+        </p:nvSpPr>
+        <p:spPr/>
+        <p:txBody>
+          <a:bodyPr/>
+          <a:lstStyle/>
+          <a:p>
+            <a:fld id="{66E6B2C5-139D-48F7-BA78-0C11E7CF6B44}" type="slidenum">
+              <a:rPr lang="zh-TW" altLang="en-US" smtClean="0"/>
               <a:t>8</a:t>
             </a:fld>
             <a:endParaRPr lang="zh-TW" altLang="en-US"/>
@@ -2013,7 +2476,7 @@
 </p:notes>
 </file>
 
-<file path=ppt/notesSlides/notesSlide6.xml><?xml version="1.0" encoding="utf-8"?>
+<file path=ppt/notesSlides/notesSlide7.xml><?xml version="1.0" encoding="utf-8"?>
 <p:notes xmlns:a="http://schemas.openxmlformats.org/drawingml/2006/main" xmlns:r="http://schemas.openxmlformats.org/officeDocument/2006/relationships" xmlns:p="http://schemas.openxmlformats.org/presentationml/2006/main">
   <p:cSld>
     <p:spTree>
@@ -2163,7 +2626,11 @@
                 </a:r>
                 <a:r>
                   <a:rPr lang="en-US" altLang="zh-TW" sz="1200" dirty="0"/>
-                  <a:t>is linear dependent or independent?</a:t>
+                  <a:t>is linear dependent or independent?  </a:t>
+                </a:r>
+                <a:r>
+                  <a:rPr lang="zh-CN" altLang="en-US" sz="1200" dirty="0"/>
+                  <a:t>不是，没有贡献的信息</a:t>
                 </a:r>
                 <a:endParaRPr lang="zh-TW" altLang="en-US" sz="1200" dirty="0"/>
               </a:p>
@@ -2284,126 +2751,6 @@
 </p:notes>
 </file>
 
-<file path=ppt/notesSlides/notesSlide7.xml><?xml version="1.0" encoding="utf-8"?>
-<p:notes xmlns:a="http://schemas.openxmlformats.org/drawingml/2006/main" xmlns:r="http://schemas.openxmlformats.org/officeDocument/2006/relationships" xmlns:p="http://schemas.openxmlformats.org/presentationml/2006/main">
-  <p:cSld>
-    <p:spTree>
-      <p:nvGrpSpPr>
-        <p:cNvPr id="1" name=""/>
-        <p:cNvGrpSpPr/>
-        <p:nvPr/>
-      </p:nvGrpSpPr>
-      <p:grpSpPr>
-        <a:xfrm>
-          <a:off x="0" y="0"/>
-          <a:ext cx="0" cy="0"/>
-          <a:chOff x="0" y="0"/>
-          <a:chExt cx="0" cy="0"/>
-        </a:xfrm>
-      </p:grpSpPr>
-      <p:sp>
-        <p:nvSpPr>
-          <p:cNvPr id="2" name="投影片圖像版面配置區 1"/>
-          <p:cNvSpPr>
-            <a:spLocks noGrp="1" noRot="1" noChangeAspect="1"/>
-          </p:cNvSpPr>
-          <p:nvPr>
-            <p:ph type="sldImg"/>
-          </p:nvPr>
-        </p:nvSpPr>
-        <p:spPr/>
-      </p:sp>
-      <p:sp>
-        <p:nvSpPr>
-          <p:cNvPr id="3" name="備忘稿版面配置區 2"/>
-          <p:cNvSpPr>
-            <a:spLocks noGrp="1"/>
-          </p:cNvSpPr>
-          <p:nvPr>
-            <p:ph type="body" idx="1"/>
-          </p:nvPr>
-        </p:nvSpPr>
-        <p:spPr/>
-        <p:txBody>
-          <a:bodyPr/>
-          <a:lstStyle/>
-          <a:p>
-            <a:r>
-              <a:rPr lang="en-US" altLang="zh-TW" dirty="0"/>
-              <a:t>How to check? </a:t>
-            </a:r>
-          </a:p>
-          <a:p>
-            <a:pPr lvl="1"/>
-            <a:r>
-              <a:rPr lang="en-US" altLang="zh-TW" dirty="0"/>
-              <a:t>Simple, check whether a vector is the linear combination of the other.</a:t>
-            </a:r>
-          </a:p>
-          <a:p>
-            <a:pPr lvl="1"/>
-            <a:r>
-              <a:rPr lang="en-US" altLang="zh-TW" dirty="0"/>
-              <a:t>Are there better approach.</a:t>
-            </a:r>
-          </a:p>
-          <a:p>
-            <a:pPr lvl="1"/>
-            <a:endParaRPr lang="en-US" altLang="zh-TW" dirty="0"/>
-          </a:p>
-          <a:p>
-            <a:pPr lvl="1"/>
-            <a:r>
-              <a:rPr lang="en-US" altLang="zh-TW" dirty="0"/>
-              <a:t>Draw</a:t>
-            </a:r>
-            <a:r>
-              <a:rPr lang="en-US" altLang="zh-TW" baseline="0" dirty="0"/>
-              <a:t> on the black board……</a:t>
-            </a:r>
-            <a:endParaRPr lang="zh-TW" altLang="en-US" dirty="0"/>
-          </a:p>
-          <a:p>
-            <a:endParaRPr lang="zh-TW" altLang="en-US" dirty="0"/>
-          </a:p>
-        </p:txBody>
-      </p:sp>
-      <p:sp>
-        <p:nvSpPr>
-          <p:cNvPr id="4" name="投影片編號版面配置區 3"/>
-          <p:cNvSpPr>
-            <a:spLocks noGrp="1"/>
-          </p:cNvSpPr>
-          <p:nvPr>
-            <p:ph type="sldNum" sz="quarter" idx="10"/>
-          </p:nvPr>
-        </p:nvSpPr>
-        <p:spPr/>
-        <p:txBody>
-          <a:bodyPr/>
-          <a:lstStyle/>
-          <a:p>
-            <a:fld id="{66E6B2C5-139D-48F7-BA78-0C11E7CF6B44}" type="slidenum">
-              <a:rPr lang="zh-TW" altLang="en-US" smtClean="0"/>
-              <a:t>10</a:t>
-            </a:fld>
-            <a:endParaRPr lang="zh-TW" altLang="en-US"/>
-          </a:p>
-        </p:txBody>
-      </p:sp>
-    </p:spTree>
-    <p:extLst>
-      <p:ext uri="{BB962C8B-B14F-4D97-AF65-F5344CB8AC3E}">
-        <p14:creationId xmlns:p14="http://schemas.microsoft.com/office/powerpoint/2010/main" val="292278415"/>
-      </p:ext>
-    </p:extLst>
-  </p:cSld>
-  <p:clrMapOvr>
-    <a:masterClrMapping/>
-  </p:clrMapOvr>
-</p:notes>
-</file>
-
 <file path=ppt/notesSlides/notesSlide8.xml><?xml version="1.0" encoding="utf-8"?>
 <p:notes xmlns:a="http://schemas.openxmlformats.org/drawingml/2006/main" xmlns:r="http://schemas.openxmlformats.org/officeDocument/2006/relationships" xmlns:p="http://schemas.openxmlformats.org/presentationml/2006/main">
   <p:cSld>
@@ -2448,295 +2795,55 @@
           <a:bodyPr/>
           <a:lstStyle/>
           <a:p>
-            <a:pPr marL="0" marR="0" lvl="1" indent="0" algn="l" defTabSz="914400" rtl="0" eaLnBrk="1" fontAlgn="auto" latinLnBrk="0" hangingPunct="1">
-              <a:lnSpc>
-                <a:spcPct val="100000"/>
-              </a:lnSpc>
-              <a:spcBef>
-                <a:spcPts val="0"/>
-              </a:spcBef>
-              <a:spcAft>
-                <a:spcPts val="0"/>
-              </a:spcAft>
-              <a:buClrTx/>
-              <a:buSzTx/>
-              <a:buFontTx/>
-              <a:buNone/>
-              <a:tabLst/>
-              <a:defRPr/>
-            </a:pPr>
-            <a:r>
-              <a:rPr lang="zh-TW" altLang="en-US" sz="1200" b="1" i="0" kern="1200" dirty="0">
-                <a:solidFill>
-                  <a:schemeClr val="tx1"/>
-                </a:solidFill>
-                <a:effectLst/>
-                <a:latin typeface="+mn-lt"/>
-                <a:ea typeface="+mn-ea"/>
-                <a:cs typeface="+mn-cs"/>
-              </a:rPr>
-              <a:t>同種的；同質的 </a:t>
-            </a:r>
-            <a:r>
-              <a:rPr lang="en-US" altLang="zh-TW" sz="1200" b="1" i="0" kern="1200" dirty="0">
-                <a:solidFill>
-                  <a:schemeClr val="tx1"/>
-                </a:solidFill>
-                <a:effectLst/>
-                <a:latin typeface="+mn-lt"/>
-                <a:ea typeface="+mn-ea"/>
-                <a:cs typeface="+mn-cs"/>
-              </a:rPr>
-              <a:t>Homogeneous</a:t>
-            </a:r>
-          </a:p>
-          <a:p>
-            <a:pPr marL="0" marR="0" lvl="1" indent="0" algn="l" defTabSz="914400" rtl="0" eaLnBrk="1" fontAlgn="auto" latinLnBrk="0" hangingPunct="1">
-              <a:lnSpc>
-                <a:spcPct val="100000"/>
-              </a:lnSpc>
-              <a:spcBef>
-                <a:spcPts val="0"/>
-              </a:spcBef>
-              <a:spcAft>
-                <a:spcPts val="0"/>
-              </a:spcAft>
-              <a:buClrTx/>
-              <a:buSzTx/>
-              <a:buFontTx/>
-              <a:buNone/>
-              <a:tabLst/>
-              <a:defRPr/>
-            </a:pPr>
-            <a:endParaRPr lang="en-US" altLang="zh-TW" sz="1200" b="1" i="0" kern="1200" dirty="0">
-              <a:solidFill>
-                <a:schemeClr val="tx1"/>
-              </a:solidFill>
-              <a:effectLst/>
-              <a:latin typeface="+mn-lt"/>
-              <a:ea typeface="+mn-ea"/>
-              <a:cs typeface="+mn-cs"/>
-            </a:endParaRPr>
-          </a:p>
-          <a:p>
-            <a:pPr marL="0" marR="0" lvl="1" indent="0" algn="l" defTabSz="914400" rtl="0" eaLnBrk="1" fontAlgn="auto" latinLnBrk="0" hangingPunct="1">
-              <a:lnSpc>
-                <a:spcPct val="100000"/>
-              </a:lnSpc>
-              <a:spcBef>
-                <a:spcPts val="0"/>
-              </a:spcBef>
-              <a:spcAft>
-                <a:spcPts val="0"/>
-              </a:spcAft>
-              <a:buClrTx/>
-              <a:buSzTx/>
-              <a:buFontTx/>
-              <a:buNone/>
-              <a:tabLst/>
-              <a:defRPr/>
-            </a:pPr>
-            <a:r>
-              <a:rPr lang="en-US" altLang="zh-TW" sz="1200" dirty="0"/>
-              <a:t>Homogeneous have more solutions</a:t>
-            </a:r>
-            <a:endParaRPr lang="en-US" altLang="zh-TW" sz="1200" dirty="0">
-              <a:sym typeface="MT Extra" pitchFamily="18" charset="2"/>
-            </a:endParaRPr>
-          </a:p>
-          <a:p>
-            <a:pPr marL="0" marR="0" lvl="1" indent="0" algn="l" defTabSz="914400" rtl="0" eaLnBrk="1" fontAlgn="auto" latinLnBrk="0" hangingPunct="1">
-              <a:lnSpc>
-                <a:spcPct val="100000"/>
-              </a:lnSpc>
-              <a:spcBef>
-                <a:spcPts val="0"/>
-              </a:spcBef>
-              <a:spcAft>
-                <a:spcPts val="0"/>
-              </a:spcAft>
-              <a:buClrTx/>
-              <a:buSzTx/>
-              <a:buFontTx/>
-              <a:buNone/>
-              <a:tabLst/>
-              <a:defRPr/>
-            </a:pPr>
+            <a:r>
+              <a:rPr lang="zh-CN" altLang="en-US" dirty="0"/>
+              <a:t>有一个</a:t>
+            </a:r>
+            <a:r>
+              <a:rPr lang="en-US" altLang="zh-CN" dirty="0"/>
+              <a:t>vector</a:t>
+            </a:r>
+            <a:r>
+              <a:rPr lang="zh-CN" altLang="en-US" dirty="0"/>
+              <a:t>的信息是可以被其他的替代的</a:t>
+            </a:r>
             <a:endParaRPr lang="en-US" altLang="zh-TW" dirty="0"/>
           </a:p>
           <a:p>
-            <a:pPr marL="0" marR="0" lvl="1" indent="0" algn="l" defTabSz="914400" rtl="0" eaLnBrk="1" fontAlgn="auto" latinLnBrk="0" hangingPunct="1">
-              <a:lnSpc>
-                <a:spcPct val="100000"/>
-              </a:lnSpc>
-              <a:spcBef>
-                <a:spcPts val="0"/>
-              </a:spcBef>
-              <a:spcAft>
-                <a:spcPts val="0"/>
-              </a:spcAft>
-              <a:buClrTx/>
-              <a:buSzTx/>
-              <a:buFontTx/>
-              <a:buNone/>
-              <a:tabLst/>
-              <a:defRPr/>
-            </a:pPr>
+            <a:r>
+              <a:rPr lang="en-US" altLang="zh-TW" dirty="0"/>
+              <a:t>How to check? </a:t>
+            </a:r>
+          </a:p>
+          <a:p>
+            <a:pPr lvl="1"/>
+            <a:r>
+              <a:rPr lang="en-US" altLang="zh-TW" dirty="0"/>
+              <a:t>Simple, check whether a vector is the linear combination of the other.</a:t>
+            </a:r>
+          </a:p>
+          <a:p>
+            <a:pPr lvl="1"/>
+            <a:r>
+              <a:rPr lang="en-US" altLang="zh-TW" dirty="0"/>
+              <a:t>Are there better approach.</a:t>
+            </a:r>
+          </a:p>
+          <a:p>
+            <a:pPr lvl="1"/>
             <a:endParaRPr lang="en-US" altLang="zh-TW" dirty="0"/>
           </a:p>
           <a:p>
-            <a:pPr marL="0" marR="0" lvl="1" indent="0" algn="l" defTabSz="914400" rtl="0" eaLnBrk="1" fontAlgn="auto" latinLnBrk="0" hangingPunct="1">
-              <a:lnSpc>
-                <a:spcPct val="100000"/>
-              </a:lnSpc>
-              <a:spcBef>
-                <a:spcPts val="0"/>
-              </a:spcBef>
-              <a:spcAft>
-                <a:spcPts val="0"/>
-              </a:spcAft>
-              <a:buClrTx/>
-              <a:buSzTx/>
-              <a:buFontTx/>
-              <a:buNone/>
-              <a:tabLst/>
-              <a:defRPr/>
-            </a:pPr>
+            <a:pPr lvl="1"/>
             <a:r>
               <a:rPr lang="en-US" altLang="zh-TW" dirty="0"/>
-              <a:t>1. Does </a:t>
-            </a:r>
-            <a:r>
-              <a:rPr lang="en-US" altLang="zh-TW" i="1" dirty="0"/>
-              <a:t>A</a:t>
-            </a:r>
-            <a:r>
-              <a:rPr lang="en-US" altLang="zh-TW" b="1" dirty="0"/>
-              <a:t>x</a:t>
-            </a:r>
-            <a:r>
-              <a:rPr lang="en-US" altLang="zh-TW" dirty="0"/>
-              <a:t> = </a:t>
-            </a:r>
-            <a:r>
-              <a:rPr lang="en-US" altLang="zh-TW" b="1" dirty="0"/>
-              <a:t>0</a:t>
-            </a:r>
-            <a:r>
-              <a:rPr lang="en-US" altLang="zh-TW" dirty="0"/>
-              <a:t> always have a solution? </a:t>
-            </a:r>
-          </a:p>
-          <a:p>
-            <a:pPr marL="0" marR="0" indent="0" algn="l" defTabSz="914400" rtl="0" eaLnBrk="1" fontAlgn="auto" latinLnBrk="0" hangingPunct="1">
-              <a:lnSpc>
-                <a:spcPct val="100000"/>
-              </a:lnSpc>
-              <a:spcBef>
-                <a:spcPts val="0"/>
-              </a:spcBef>
-              <a:spcAft>
-                <a:spcPts val="0"/>
-              </a:spcAft>
-              <a:buClrTx/>
-              <a:buSzTx/>
-              <a:buFontTx/>
-              <a:buNone/>
-              <a:tabLst/>
-              <a:defRPr/>
-            </a:pPr>
-            <a:r>
-              <a:rPr lang="en-US" altLang="zh-TW" sz="1200" dirty="0"/>
-              <a:t>Linear independent =&gt; Only has one solution </a:t>
-            </a:r>
-          </a:p>
-          <a:p>
-            <a:pPr marL="0" marR="0" indent="0" algn="l" defTabSz="914400" rtl="0" eaLnBrk="1" fontAlgn="auto" latinLnBrk="0" hangingPunct="1">
-              <a:lnSpc>
-                <a:spcPct val="100000"/>
-              </a:lnSpc>
-              <a:spcBef>
-                <a:spcPts val="0"/>
-              </a:spcBef>
-              <a:spcAft>
-                <a:spcPts val="0"/>
-              </a:spcAft>
-              <a:buClrTx/>
-              <a:buSzTx/>
-              <a:buFontTx/>
-              <a:buNone/>
-              <a:tabLst/>
-              <a:defRPr/>
-            </a:pPr>
-            <a:r>
-              <a:rPr lang="en-US" altLang="zh-TW" sz="1200" dirty="0"/>
-              <a:t>Linear dependent =&gt; Exists non-zero solution</a:t>
-            </a:r>
-            <a:endParaRPr lang="zh-TW" altLang="en-US" sz="1200" dirty="0"/>
-          </a:p>
-          <a:p>
-            <a:pPr marL="0" marR="0" indent="0" algn="l" defTabSz="914400" rtl="0" eaLnBrk="1" fontAlgn="auto" latinLnBrk="0" hangingPunct="1">
-              <a:lnSpc>
-                <a:spcPct val="100000"/>
-              </a:lnSpc>
-              <a:spcBef>
-                <a:spcPts val="0"/>
-              </a:spcBef>
-              <a:spcAft>
-                <a:spcPts val="0"/>
-              </a:spcAft>
-              <a:buClrTx/>
-              <a:buSzTx/>
-              <a:buFontTx/>
-              <a:buNone/>
-              <a:tabLst/>
-              <a:defRPr/>
-            </a:pPr>
-            <a:endParaRPr lang="zh-TW" altLang="en-US" sz="1200" dirty="0"/>
-          </a:p>
-          <a:p>
-            <a:pPr marL="0" marR="0" indent="0" algn="l" defTabSz="914400" rtl="0" eaLnBrk="1" fontAlgn="auto" latinLnBrk="0" hangingPunct="1">
-              <a:lnSpc>
-                <a:spcPct val="100000"/>
-              </a:lnSpc>
-              <a:spcBef>
-                <a:spcPts val="0"/>
-              </a:spcBef>
-              <a:spcAft>
-                <a:spcPts val="0"/>
-              </a:spcAft>
-              <a:buClrTx/>
-              <a:buSzTx/>
-              <a:buFontTx/>
-              <a:buNone/>
-              <a:tabLst/>
-              <a:defRPr/>
-            </a:pPr>
-            <a:r>
-              <a:rPr lang="en-US" altLang="zh-TW" sz="1200" dirty="0"/>
-              <a:t> </a:t>
-            </a:r>
-            <a:endParaRPr lang="zh-TW" altLang="en-US" sz="1200" dirty="0"/>
-          </a:p>
-          <a:p>
-            <a:pPr marL="0" marR="0" indent="0" algn="l" defTabSz="914400" rtl="0" eaLnBrk="1" fontAlgn="auto" latinLnBrk="0" hangingPunct="1">
-              <a:lnSpc>
-                <a:spcPct val="100000"/>
-              </a:lnSpc>
-              <a:spcBef>
-                <a:spcPts val="0"/>
-              </a:spcBef>
-              <a:spcAft>
-                <a:spcPts val="0"/>
-              </a:spcAft>
-              <a:buClrTx/>
-              <a:buSzTx/>
-              <a:buFontTx/>
-              <a:buNone/>
-              <a:tabLst/>
-              <a:defRPr/>
-            </a:pPr>
-            <a:endParaRPr lang="zh-TW" altLang="en-US" sz="1200" dirty="0"/>
+              <a:t>Draw</a:t>
+            </a:r>
+            <a:r>
+              <a:rPr lang="en-US" altLang="zh-TW" baseline="0" dirty="0"/>
+              <a:t> on the black board……</a:t>
+            </a:r>
+            <a:endParaRPr lang="zh-TW" altLang="en-US" dirty="0"/>
           </a:p>
           <a:p>
             <a:endParaRPr lang="zh-TW" altLang="en-US" dirty="0"/>
@@ -2760,7 +2867,7 @@
           <a:p>
             <a:fld id="{66E6B2C5-139D-48F7-BA78-0C11E7CF6B44}" type="slidenum">
               <a:rPr lang="zh-TW" altLang="en-US" smtClean="0"/>
-              <a:t>13</a:t>
+              <a:t>10</a:t>
             </a:fld>
             <a:endParaRPr lang="zh-TW" altLang="en-US"/>
           </a:p>
@@ -2769,7 +2876,7 @@
     </p:spTree>
     <p:extLst>
       <p:ext uri="{BB962C8B-B14F-4D97-AF65-F5344CB8AC3E}">
-        <p14:creationId xmlns:p14="http://schemas.microsoft.com/office/powerpoint/2010/main" val="2958879192"/>
+        <p14:creationId xmlns:p14="http://schemas.microsoft.com/office/powerpoint/2010/main" val="292278415"/>
       </p:ext>
     </p:extLst>
   </p:cSld>
@@ -2823,6 +2930,186 @@
           <a:bodyPr/>
           <a:lstStyle/>
           <a:p>
+            <a:pPr marL="0" marR="0" lvl="1" indent="0" algn="l" defTabSz="914400" rtl="0" eaLnBrk="1" fontAlgn="auto" latinLnBrk="0" hangingPunct="1">
+              <a:lnSpc>
+                <a:spcPct val="100000"/>
+              </a:lnSpc>
+              <a:spcBef>
+                <a:spcPts val="0"/>
+              </a:spcBef>
+              <a:spcAft>
+                <a:spcPts val="0"/>
+              </a:spcAft>
+              <a:buClrTx/>
+              <a:buSzTx/>
+              <a:buFontTx/>
+              <a:buNone/>
+              <a:tabLst/>
+              <a:defRPr/>
+            </a:pPr>
+            <a:r>
+              <a:rPr lang="zh-TW" altLang="en-US" sz="1200" b="1" i="0" kern="1200" dirty="0">
+                <a:solidFill>
+                  <a:schemeClr val="tx1"/>
+                </a:solidFill>
+                <a:effectLst/>
+                <a:latin typeface="+mn-lt"/>
+                <a:ea typeface="+mn-ea"/>
+                <a:cs typeface="+mn-cs"/>
+              </a:rPr>
+              <a:t>同種的；同質的 </a:t>
+            </a:r>
+            <a:r>
+              <a:rPr lang="en-US" altLang="zh-TW" sz="1200" b="1" i="0" kern="1200" dirty="0">
+                <a:solidFill>
+                  <a:schemeClr val="tx1"/>
+                </a:solidFill>
+                <a:effectLst/>
+                <a:latin typeface="+mn-lt"/>
+                <a:ea typeface="+mn-ea"/>
+                <a:cs typeface="+mn-cs"/>
+              </a:rPr>
+              <a:t>Homogeneous</a:t>
+            </a:r>
+          </a:p>
+          <a:p>
+            <a:pPr marL="0" marR="0" lvl="1" indent="0" algn="l" defTabSz="914400" rtl="0" eaLnBrk="1" fontAlgn="auto" latinLnBrk="0" hangingPunct="1">
+              <a:lnSpc>
+                <a:spcPct val="100000"/>
+              </a:lnSpc>
+              <a:spcBef>
+                <a:spcPts val="0"/>
+              </a:spcBef>
+              <a:spcAft>
+                <a:spcPts val="0"/>
+              </a:spcAft>
+              <a:buClrTx/>
+              <a:buSzTx/>
+              <a:buFontTx/>
+              <a:buNone/>
+              <a:tabLst/>
+              <a:defRPr/>
+            </a:pPr>
+            <a:endParaRPr lang="en-US" altLang="zh-TW" sz="1200" b="1" i="0" kern="1200" dirty="0">
+              <a:solidFill>
+                <a:schemeClr val="tx1"/>
+              </a:solidFill>
+              <a:effectLst/>
+              <a:latin typeface="+mn-lt"/>
+              <a:ea typeface="+mn-ea"/>
+              <a:cs typeface="+mn-cs"/>
+            </a:endParaRPr>
+          </a:p>
+          <a:p>
+            <a:pPr marL="0" marR="0" lvl="1" indent="0" algn="l" defTabSz="914400" rtl="0" eaLnBrk="1" fontAlgn="auto" latinLnBrk="0" hangingPunct="1">
+              <a:lnSpc>
+                <a:spcPct val="100000"/>
+              </a:lnSpc>
+              <a:spcBef>
+                <a:spcPts val="0"/>
+              </a:spcBef>
+              <a:spcAft>
+                <a:spcPts val="0"/>
+              </a:spcAft>
+              <a:buClrTx/>
+              <a:buSzTx/>
+              <a:buFontTx/>
+              <a:buNone/>
+              <a:tabLst/>
+              <a:defRPr/>
+            </a:pPr>
+            <a:r>
+              <a:rPr lang="en-US" altLang="zh-TW" sz="1200" dirty="0"/>
+              <a:t>Homogeneous have more solutions</a:t>
+            </a:r>
+            <a:endParaRPr lang="en-US" altLang="zh-TW" sz="1200" dirty="0">
+              <a:sym typeface="MT Extra" pitchFamily="18" charset="2"/>
+            </a:endParaRPr>
+          </a:p>
+          <a:p>
+            <a:pPr marL="0" marR="0" lvl="1" indent="0" algn="l" defTabSz="914400" rtl="0" eaLnBrk="1" fontAlgn="auto" latinLnBrk="0" hangingPunct="1">
+              <a:lnSpc>
+                <a:spcPct val="100000"/>
+              </a:lnSpc>
+              <a:spcBef>
+                <a:spcPts val="0"/>
+              </a:spcBef>
+              <a:spcAft>
+                <a:spcPts val="0"/>
+              </a:spcAft>
+              <a:buClrTx/>
+              <a:buSzTx/>
+              <a:buFontTx/>
+              <a:buNone/>
+              <a:tabLst/>
+              <a:defRPr/>
+            </a:pPr>
+            <a:endParaRPr lang="en-US" altLang="zh-TW" dirty="0"/>
+          </a:p>
+          <a:p>
+            <a:pPr marL="0" marR="0" lvl="1" indent="0" algn="l" defTabSz="914400" rtl="0" eaLnBrk="1" fontAlgn="auto" latinLnBrk="0" hangingPunct="1">
+              <a:lnSpc>
+                <a:spcPct val="100000"/>
+              </a:lnSpc>
+              <a:spcBef>
+                <a:spcPts val="0"/>
+              </a:spcBef>
+              <a:spcAft>
+                <a:spcPts val="0"/>
+              </a:spcAft>
+              <a:buClrTx/>
+              <a:buSzTx/>
+              <a:buFontTx/>
+              <a:buNone/>
+              <a:tabLst/>
+              <a:defRPr/>
+            </a:pPr>
+            <a:endParaRPr lang="en-US" altLang="zh-TW" dirty="0"/>
+          </a:p>
+          <a:p>
+            <a:pPr marL="0" marR="0" lvl="1" indent="0" algn="l" defTabSz="914400" rtl="0" eaLnBrk="1" fontAlgn="auto" latinLnBrk="0" hangingPunct="1">
+              <a:lnSpc>
+                <a:spcPct val="100000"/>
+              </a:lnSpc>
+              <a:spcBef>
+                <a:spcPts val="0"/>
+              </a:spcBef>
+              <a:spcAft>
+                <a:spcPts val="0"/>
+              </a:spcAft>
+              <a:buClrTx/>
+              <a:buSzTx/>
+              <a:buFontTx/>
+              <a:buNone/>
+              <a:tabLst/>
+              <a:defRPr/>
+            </a:pPr>
+            <a:r>
+              <a:rPr lang="en-US" altLang="zh-TW" dirty="0"/>
+              <a:t>1. Does </a:t>
+            </a:r>
+            <a:r>
+              <a:rPr lang="en-US" altLang="zh-TW" i="1" dirty="0"/>
+              <a:t>A</a:t>
+            </a:r>
+            <a:r>
+              <a:rPr lang="en-US" altLang="zh-TW" b="1" dirty="0"/>
+              <a:t>x</a:t>
+            </a:r>
+            <a:r>
+              <a:rPr lang="en-US" altLang="zh-TW" dirty="0"/>
+              <a:t> = </a:t>
+            </a:r>
+            <a:r>
+              <a:rPr lang="en-US" altLang="zh-TW" b="1" dirty="0"/>
+              <a:t>0</a:t>
+            </a:r>
+            <a:r>
+              <a:rPr lang="en-US" altLang="zh-TW" dirty="0"/>
+              <a:t> always have a solution? </a:t>
+            </a:r>
+          </a:p>
+          <a:p>
             <a:pPr marL="0" marR="0" indent="0" algn="l" defTabSz="914400" rtl="0" eaLnBrk="1" fontAlgn="auto" latinLnBrk="0" hangingPunct="1">
               <a:lnSpc>
                 <a:spcPct val="100000"/>
@@ -2841,16 +3128,8 @@
               <a:defRPr/>
             </a:pPr>
             <a:r>
-              <a:rPr lang="en-US" altLang="zh-TW" dirty="0"/>
-              <a:t>(b) the maximum number of linearly independent </a:t>
-            </a:r>
-            <a:r>
-              <a:rPr lang="en-US" altLang="zh-TW" i="1" dirty="0"/>
-              <a:t>row</a:t>
-            </a:r>
-            <a:r>
-              <a:rPr lang="en-US" altLang="zh-TW" dirty="0"/>
-              <a:t> vectors in the matrix. Both definitions are equivalent.</a:t>
+              <a:rPr lang="en-US" altLang="zh-TW" sz="1200" dirty="0"/>
+              <a:t>Linear independent =&gt; Only has one solution </a:t>
             </a:r>
           </a:p>
           <a:p>
@@ -2871,7 +3150,11 @@
               <a:tabLst/>
               <a:defRPr/>
             </a:pPr>
-            <a:endParaRPr lang="en-US" altLang="zh-TW" dirty="0"/>
+            <a:r>
+              <a:rPr lang="en-US" altLang="zh-TW" sz="1200" dirty="0"/>
+              <a:t>Linear dependent =&gt; Exists non-zero solution</a:t>
+            </a:r>
+            <a:endParaRPr lang="zh-TW" altLang="en-US" sz="1200" dirty="0"/>
           </a:p>
           <a:p>
             <a:pPr marL="0" marR="0" indent="0" algn="l" defTabSz="914400" rtl="0" eaLnBrk="1" fontAlgn="auto" latinLnBrk="0" hangingPunct="1">
@@ -2891,11 +3174,7 @@
               <a:tabLst/>
               <a:defRPr/>
             </a:pPr>
-            <a:r>
-              <a:rPr lang="en-US" altLang="zh-TW" dirty="0"/>
-              <a:t>The rank of a matrix would be zero only if the matrix had no non-zero elements. If a matrix had even one non-zero element, its minimum rank would be one.</a:t>
-            </a:r>
-            <a:endParaRPr lang="zh-TW" altLang="en-US" dirty="0"/>
+            <a:endParaRPr lang="zh-TW" altLang="en-US" sz="1200" dirty="0"/>
           </a:p>
           <a:p>
             <a:pPr marL="0" marR="0" indent="0" algn="l" defTabSz="914400" rtl="0" eaLnBrk="1" fontAlgn="auto" latinLnBrk="0" hangingPunct="1">
@@ -2915,7 +3194,31 @@
               <a:tabLst/>
               <a:defRPr/>
             </a:pPr>
-            <a:endParaRPr lang="en-US" altLang="zh-TW" dirty="0"/>
+            <a:r>
+              <a:rPr lang="en-US" altLang="zh-TW" sz="1200" dirty="0"/>
+              <a:t> </a:t>
+            </a:r>
+            <a:endParaRPr lang="zh-TW" altLang="en-US" sz="1200" dirty="0"/>
+          </a:p>
+          <a:p>
+            <a:pPr marL="0" marR="0" indent="0" algn="l" defTabSz="914400" rtl="0" eaLnBrk="1" fontAlgn="auto" latinLnBrk="0" hangingPunct="1">
+              <a:lnSpc>
+                <a:spcPct val="100000"/>
+              </a:lnSpc>
+              <a:spcBef>
+                <a:spcPts val="0"/>
+              </a:spcBef>
+              <a:spcAft>
+                <a:spcPts val="0"/>
+              </a:spcAft>
+              <a:buClrTx/>
+              <a:buSzTx/>
+              <a:buFontTx/>
+              <a:buNone/>
+              <a:tabLst/>
+              <a:defRPr/>
+            </a:pPr>
+            <a:endParaRPr lang="zh-TW" altLang="en-US" sz="1200" dirty="0"/>
           </a:p>
           <a:p>
             <a:endParaRPr lang="zh-TW" altLang="en-US" dirty="0"/>
@@ -2939,7 +3242,7 @@
           <a:p>
             <a:fld id="{66E6B2C5-139D-48F7-BA78-0C11E7CF6B44}" type="slidenum">
               <a:rPr lang="zh-TW" altLang="en-US" smtClean="0"/>
-              <a:t>16</a:t>
+              <a:t>13</a:t>
             </a:fld>
             <a:endParaRPr lang="zh-TW" altLang="en-US"/>
           </a:p>
@@ -2948,7 +3251,7 @@
     </p:spTree>
     <p:extLst>
       <p:ext uri="{BB962C8B-B14F-4D97-AF65-F5344CB8AC3E}">
-        <p14:creationId xmlns:p14="http://schemas.microsoft.com/office/powerpoint/2010/main" val="1926864443"/>
+        <p14:creationId xmlns:p14="http://schemas.microsoft.com/office/powerpoint/2010/main" val="2958879192"/>
       </p:ext>
     </p:extLst>
   </p:cSld>
@@ -3089,7 +3392,7 @@
           <a:p>
             <a:fld id="{2C49BB6F-6705-41CE-88B5-A2D32870DF24}" type="datetimeFigureOut">
               <a:rPr lang="zh-TW" altLang="en-US" smtClean="0"/>
-              <a:t>2018/9/24</a:t>
+              <a:t>2019/7/15</a:t>
             </a:fld>
             <a:endParaRPr lang="zh-TW" altLang="en-US"/>
           </a:p>
@@ -3259,7 +3562,7 @@
           <a:p>
             <a:fld id="{2C49BB6F-6705-41CE-88B5-A2D32870DF24}" type="datetimeFigureOut">
               <a:rPr lang="zh-TW" altLang="en-US" smtClean="0"/>
-              <a:t>2018/9/24</a:t>
+              <a:t>2019/7/15</a:t>
             </a:fld>
             <a:endParaRPr lang="zh-TW" altLang="en-US"/>
           </a:p>
@@ -3439,7 +3742,7 @@
           <a:p>
             <a:fld id="{2C49BB6F-6705-41CE-88B5-A2D32870DF24}" type="datetimeFigureOut">
               <a:rPr lang="zh-TW" altLang="en-US" smtClean="0"/>
-              <a:t>2018/9/24</a:t>
+              <a:t>2019/7/15</a:t>
             </a:fld>
             <a:endParaRPr lang="zh-TW" altLang="en-US"/>
           </a:p>
@@ -3609,7 +3912,7 @@
           <a:p>
             <a:fld id="{2C49BB6F-6705-41CE-88B5-A2D32870DF24}" type="datetimeFigureOut">
               <a:rPr lang="zh-TW" altLang="en-US" smtClean="0"/>
-              <a:t>2018/9/24</a:t>
+              <a:t>2019/7/15</a:t>
             </a:fld>
             <a:endParaRPr lang="zh-TW" altLang="en-US"/>
           </a:p>
@@ -3853,7 +4156,7 @@
           <a:p>
             <a:fld id="{2C49BB6F-6705-41CE-88B5-A2D32870DF24}" type="datetimeFigureOut">
               <a:rPr lang="zh-TW" altLang="en-US" smtClean="0"/>
-              <a:t>2018/9/24</a:t>
+              <a:t>2019/7/15</a:t>
             </a:fld>
             <a:endParaRPr lang="zh-TW" altLang="en-US"/>
           </a:p>
@@ -4085,7 +4388,7 @@
           <a:p>
             <a:fld id="{2C49BB6F-6705-41CE-88B5-A2D32870DF24}" type="datetimeFigureOut">
               <a:rPr lang="zh-TW" altLang="en-US" smtClean="0"/>
-              <a:t>2018/9/24</a:t>
+              <a:t>2019/7/15</a:t>
             </a:fld>
             <a:endParaRPr lang="zh-TW" altLang="en-US"/>
           </a:p>
@@ -4452,7 +4755,7 @@
           <a:p>
             <a:fld id="{2C49BB6F-6705-41CE-88B5-A2D32870DF24}" type="datetimeFigureOut">
               <a:rPr lang="zh-TW" altLang="en-US" smtClean="0"/>
-              <a:t>2018/9/24</a:t>
+              <a:t>2019/7/15</a:t>
             </a:fld>
             <a:endParaRPr lang="zh-TW" altLang="en-US"/>
           </a:p>
@@ -4570,7 +4873,7 @@
           <a:p>
             <a:fld id="{2C49BB6F-6705-41CE-88B5-A2D32870DF24}" type="datetimeFigureOut">
               <a:rPr lang="zh-TW" altLang="en-US" smtClean="0"/>
-              <a:t>2018/9/24</a:t>
+              <a:t>2019/7/15</a:t>
             </a:fld>
             <a:endParaRPr lang="zh-TW" altLang="en-US"/>
           </a:p>
@@ -4665,7 +4968,7 @@
           <a:p>
             <a:fld id="{2C49BB6F-6705-41CE-88B5-A2D32870DF24}" type="datetimeFigureOut">
               <a:rPr lang="zh-TW" altLang="en-US" smtClean="0"/>
-              <a:t>2018/9/24</a:t>
+              <a:t>2019/7/15</a:t>
             </a:fld>
             <a:endParaRPr lang="zh-TW" altLang="en-US"/>
           </a:p>
@@ -4942,7 +5245,7 @@
           <a:p>
             <a:fld id="{2C49BB6F-6705-41CE-88B5-A2D32870DF24}" type="datetimeFigureOut">
               <a:rPr lang="zh-TW" altLang="en-US" smtClean="0"/>
-              <a:t>2018/9/24</a:t>
+              <a:t>2019/7/15</a:t>
             </a:fld>
             <a:endParaRPr lang="zh-TW" altLang="en-US"/>
           </a:p>
@@ -5199,7 +5502,7 @@
           <a:p>
             <a:fld id="{2C49BB6F-6705-41CE-88B5-A2D32870DF24}" type="datetimeFigureOut">
               <a:rPr lang="zh-TW" altLang="en-US" smtClean="0"/>
-              <a:t>2018/9/24</a:t>
+              <a:t>2019/7/15</a:t>
             </a:fld>
             <a:endParaRPr lang="zh-TW" altLang="en-US"/>
           </a:p>
@@ -5412,7 +5715,7 @@
           <a:p>
             <a:fld id="{2C49BB6F-6705-41CE-88B5-A2D32870DF24}" type="datetimeFigureOut">
               <a:rPr lang="zh-TW" altLang="en-US" smtClean="0"/>
-              <a:t>2018/9/24</a:t>
+              <a:t>2019/7/15</a:t>
             </a:fld>
             <a:endParaRPr lang="zh-TW" altLang="en-US"/>
           </a:p>
@@ -25103,7 +25406,7 @@
       </p:sp>
       <mc:AlternateContent xmlns:mc="http://schemas.openxmlformats.org/markup-compatibility/2006" xmlns:p14="http://schemas.microsoft.com/office/powerpoint/2010/main">
         <mc:Choice Requires="p14">
-          <p:contentPart p14:bwMode="auto" r:id="rId2">
+          <p:contentPart p14:bwMode="auto" r:id="rId3">
             <p14:nvContentPartPr>
               <p14:cNvPr id="4" name="筆跡 3">
                 <a:extLst>
@@ -25135,7 +25438,7 @@
               <p:nvPr/>
             </p:nvPicPr>
             <p:blipFill>
-              <a:blip r:embed="rId3"/>
+              <a:blip r:embed="rId4"/>
               <a:stretch>
                 <a:fillRect/>
               </a:stretch>
@@ -26350,8 +26653,8 @@
           </p:sp>
         </mc:Fallback>
       </mc:AlternateContent>
-      <mc:AlternateContent xmlns:mc="http://schemas.openxmlformats.org/markup-compatibility/2006">
-        <mc:Choice xmlns:a14="http://schemas.microsoft.com/office/drawing/2010/main" Requires="a14">
+      <mc:AlternateContent xmlns:mc="http://schemas.openxmlformats.org/markup-compatibility/2006" xmlns:a14="http://schemas.microsoft.com/office/drawing/2010/main">
+        <mc:Choice Requires="a14">
           <p:sp>
             <p:nvSpPr>
               <p:cNvPr id="11" name="矩形 10"/>
@@ -26493,7 +26796,7 @@
             </p:txBody>
           </p:sp>
         </mc:Choice>
-        <mc:Fallback>
+        <mc:Fallback xmlns="">
           <p:sp>
             <p:nvSpPr>
               <p:cNvPr id="11" name="矩形 10"/>
